--- a/WorkingWithDSC.pptx
+++ b/WorkingWithDSC.pptx
@@ -8,20 +8,22 @@
     <p:sldId id="256" r:id="rId2"/>
     <p:sldId id="258" r:id="rId3"/>
     <p:sldId id="257" r:id="rId4"/>
-    <p:sldId id="259" r:id="rId5"/>
-    <p:sldId id="260" r:id="rId6"/>
-    <p:sldId id="261" r:id="rId7"/>
-    <p:sldId id="262" r:id="rId8"/>
-    <p:sldId id="264" r:id="rId9"/>
-    <p:sldId id="265" r:id="rId10"/>
-    <p:sldId id="266" r:id="rId11"/>
-    <p:sldId id="267" r:id="rId12"/>
-    <p:sldId id="268" r:id="rId13"/>
-    <p:sldId id="269" r:id="rId14"/>
-    <p:sldId id="270" r:id="rId15"/>
-    <p:sldId id="271" r:id="rId16"/>
-    <p:sldId id="272" r:id="rId17"/>
-    <p:sldId id="273" r:id="rId18"/>
+    <p:sldId id="274" r:id="rId5"/>
+    <p:sldId id="259" r:id="rId6"/>
+    <p:sldId id="262" r:id="rId7"/>
+    <p:sldId id="260" r:id="rId8"/>
+    <p:sldId id="261" r:id="rId9"/>
+    <p:sldId id="264" r:id="rId10"/>
+    <p:sldId id="265" r:id="rId11"/>
+    <p:sldId id="266" r:id="rId12"/>
+    <p:sldId id="267" r:id="rId13"/>
+    <p:sldId id="275" r:id="rId14"/>
+    <p:sldId id="268" r:id="rId15"/>
+    <p:sldId id="269" r:id="rId16"/>
+    <p:sldId id="270" r:id="rId17"/>
+    <p:sldId id="271" r:id="rId18"/>
+    <p:sldId id="272" r:id="rId19"/>
+    <p:sldId id="273" r:id="rId20"/>
   </p:sldIdLst>
   <p:sldSz cx="12192000" cy="6858000"/>
   <p:notesSz cx="6858000" cy="9144000"/>
@@ -128,14 +130,16 @@
             <p14:sldId id="256"/>
             <p14:sldId id="258"/>
             <p14:sldId id="257"/>
+            <p14:sldId id="274"/>
             <p14:sldId id="259"/>
+            <p14:sldId id="262"/>
             <p14:sldId id="260"/>
             <p14:sldId id="261"/>
-            <p14:sldId id="262"/>
             <p14:sldId id="264"/>
             <p14:sldId id="265"/>
             <p14:sldId id="266"/>
             <p14:sldId id="267"/>
+            <p14:sldId id="275"/>
             <p14:sldId id="268"/>
             <p14:sldId id="269"/>
             <p14:sldId id="270"/>
@@ -356,7 +360,7 @@
             <a:fld id="{B61BEF0D-F0BB-DE4B-95CE-6DB70DBA9567}" type="datetimeFigureOut">
               <a:rPr lang="en-US" smtClean="0"/>
               <a:pPr/>
-              <a:t>2/26/2018</a:t>
+              <a:t>3/4/2018</a:t>
             </a:fld>
             <a:endParaRPr lang="en-US" dirty="0"/>
           </a:p>
@@ -649,7 +653,7 @@
             <a:fld id="{B61BEF0D-F0BB-DE4B-95CE-6DB70DBA9567}" type="datetimeFigureOut">
               <a:rPr lang="en-US" smtClean="0"/>
               <a:pPr/>
-              <a:t>2/26/2018</a:t>
+              <a:t>3/4/2018</a:t>
             </a:fld>
             <a:endParaRPr lang="en-US" dirty="0"/>
           </a:p>
@@ -899,7 +903,7 @@
             <a:fld id="{B61BEF0D-F0BB-DE4B-95CE-6DB70DBA9567}" type="datetimeFigureOut">
               <a:rPr lang="en-US" smtClean="0"/>
               <a:pPr/>
-              <a:t>2/26/2018</a:t>
+              <a:t>3/4/2018</a:t>
             </a:fld>
             <a:endParaRPr lang="en-US" dirty="0"/>
           </a:p>
@@ -1437,7 +1441,7 @@
             <a:fld id="{B61BEF0D-F0BB-DE4B-95CE-6DB70DBA9567}" type="datetimeFigureOut">
               <a:rPr lang="en-US" smtClean="0"/>
               <a:pPr/>
-              <a:t>2/26/2018</a:t>
+              <a:t>3/4/2018</a:t>
             </a:fld>
             <a:endParaRPr lang="en-US" dirty="0"/>
           </a:p>
@@ -1687,7 +1691,7 @@
             <a:fld id="{B61BEF0D-F0BB-DE4B-95CE-6DB70DBA9567}" type="datetimeFigureOut">
               <a:rPr lang="en-US" smtClean="0"/>
               <a:pPr/>
-              <a:t>2/26/2018</a:t>
+              <a:t>3/4/2018</a:t>
             </a:fld>
             <a:endParaRPr lang="en-US" dirty="0"/>
           </a:p>
@@ -2232,7 +2236,7 @@
             <a:fld id="{B61BEF0D-F0BB-DE4B-95CE-6DB70DBA9567}" type="datetimeFigureOut">
               <a:rPr lang="en-US" smtClean="0"/>
               <a:pPr/>
-              <a:t>2/26/2018</a:t>
+              <a:t>3/4/2018</a:t>
             </a:fld>
             <a:endParaRPr lang="en-US" dirty="0"/>
           </a:p>
@@ -2544,7 +2548,7 @@
             <a:fld id="{B61BEF0D-F0BB-DE4B-95CE-6DB70DBA9567}" type="datetimeFigureOut">
               <a:rPr lang="en-US" smtClean="0"/>
               <a:pPr/>
-              <a:t>2/26/2018</a:t>
+              <a:t>3/4/2018</a:t>
             </a:fld>
             <a:endParaRPr lang="en-US" dirty="0"/>
           </a:p>
@@ -2721,7 +2725,7 @@
             <a:fld id="{B61BEF0D-F0BB-DE4B-95CE-6DB70DBA9567}" type="datetimeFigureOut">
               <a:rPr lang="en-US" smtClean="0"/>
               <a:pPr/>
-              <a:t>2/26/2018</a:t>
+              <a:t>3/4/2018</a:t>
             </a:fld>
             <a:endParaRPr lang="en-US" dirty="0"/>
           </a:p>
@@ -2903,7 +2907,7 @@
             <a:fld id="{B61BEF0D-F0BB-DE4B-95CE-6DB70DBA9567}" type="datetimeFigureOut">
               <a:rPr lang="en-US" smtClean="0"/>
               <a:pPr/>
-              <a:t>2/26/2018</a:t>
+              <a:t>3/4/2018</a:t>
             </a:fld>
             <a:endParaRPr lang="en-US" dirty="0"/>
           </a:p>
@@ -3075,7 +3079,7 @@
             <a:fld id="{B61BEF0D-F0BB-DE4B-95CE-6DB70DBA9567}" type="datetimeFigureOut">
               <a:rPr lang="en-US" smtClean="0"/>
               <a:pPr/>
-              <a:t>2/26/2018</a:t>
+              <a:t>3/4/2018</a:t>
             </a:fld>
             <a:endParaRPr lang="en-US" dirty="0"/>
           </a:p>
@@ -3323,7 +3327,7 @@
             <a:fld id="{B61BEF0D-F0BB-DE4B-95CE-6DB70DBA9567}" type="datetimeFigureOut">
               <a:rPr lang="en-US" smtClean="0"/>
               <a:pPr/>
-              <a:t>2/26/2018</a:t>
+              <a:t>3/4/2018</a:t>
             </a:fld>
             <a:endParaRPr lang="en-US" dirty="0"/>
           </a:p>
@@ -3617,7 +3621,7 @@
             <a:fld id="{B61BEF0D-F0BB-DE4B-95CE-6DB70DBA9567}" type="datetimeFigureOut">
               <a:rPr lang="en-US" smtClean="0"/>
               <a:pPr/>
-              <a:t>2/26/2018</a:t>
+              <a:t>3/4/2018</a:t>
             </a:fld>
             <a:endParaRPr lang="en-US" dirty="0"/>
           </a:p>
@@ -4049,7 +4053,7 @@
             <a:fld id="{B61BEF0D-F0BB-DE4B-95CE-6DB70DBA9567}" type="datetimeFigureOut">
               <a:rPr lang="en-US" smtClean="0"/>
               <a:pPr/>
-              <a:t>2/26/2018</a:t>
+              <a:t>3/4/2018</a:t>
             </a:fld>
             <a:endParaRPr lang="en-US" dirty="0"/>
           </a:p>
@@ -4174,7 +4178,7 @@
             <a:fld id="{B61BEF0D-F0BB-DE4B-95CE-6DB70DBA9567}" type="datetimeFigureOut">
               <a:rPr lang="en-US" smtClean="0"/>
               <a:pPr/>
-              <a:t>2/26/2018</a:t>
+              <a:t>3/4/2018</a:t>
             </a:fld>
             <a:endParaRPr lang="en-US" dirty="0"/>
           </a:p>
@@ -4271,7 +4275,7 @@
             <a:fld id="{B61BEF0D-F0BB-DE4B-95CE-6DB70DBA9567}" type="datetimeFigureOut">
               <a:rPr lang="en-US" smtClean="0"/>
               <a:pPr/>
-              <a:t>2/26/2018</a:t>
+              <a:t>3/4/2018</a:t>
             </a:fld>
             <a:endParaRPr lang="en-US" dirty="0"/>
           </a:p>
@@ -4556,7 +4560,7 @@
             <a:fld id="{B61BEF0D-F0BB-DE4B-95CE-6DB70DBA9567}" type="datetimeFigureOut">
               <a:rPr lang="en-US" smtClean="0"/>
               <a:pPr/>
-              <a:t>2/26/2018</a:t>
+              <a:t>3/4/2018</a:t>
             </a:fld>
             <a:endParaRPr lang="en-US" dirty="0"/>
           </a:p>
@@ -4849,7 +4853,7 @@
             <a:fld id="{B61BEF0D-F0BB-DE4B-95CE-6DB70DBA9567}" type="datetimeFigureOut">
               <a:rPr lang="en-US" smtClean="0"/>
               <a:pPr/>
-              <a:t>2/26/2018</a:t>
+              <a:t>3/4/2018</a:t>
             </a:fld>
             <a:endParaRPr lang="en-US" dirty="0"/>
           </a:p>
@@ -5082,7 +5086,7 @@
             <a:fld id="{B61BEF0D-F0BB-DE4B-95CE-6DB70DBA9567}" type="datetimeFigureOut">
               <a:rPr lang="en-US" smtClean="0"/>
               <a:pPr/>
-              <a:t>2/26/2018</a:t>
+              <a:t>3/4/2018</a:t>
             </a:fld>
             <a:endParaRPr lang="en-US" dirty="0"/>
           </a:p>
@@ -5842,7 +5846,7 @@
           <a:p>
             <a:r>
               <a:rPr lang="en-US" dirty="0" smtClean="0"/>
-              <a:t>Configurations</a:t>
+              <a:t>Resources</a:t>
             </a:r>
             <a:endParaRPr lang="en-US" dirty="0"/>
           </a:p>
@@ -5865,31 +5869,25 @@
           <a:p>
             <a:r>
               <a:rPr lang="en-US" dirty="0" smtClean="0"/>
-              <a:t>A collection of resources</a:t>
-            </a:r>
-          </a:p>
-          <a:p>
-            <a:r>
-              <a:rPr lang="en-US" dirty="0" smtClean="0"/>
-              <a:t>Define the state of our server</a:t>
-            </a:r>
-          </a:p>
-          <a:p>
-            <a:r>
-              <a:rPr lang="en-US" dirty="0" smtClean="0"/>
-              <a:t>Can be shared across servers with the same role</a:t>
-            </a:r>
-          </a:p>
-          <a:p>
-            <a:r>
-              <a:rPr lang="en-US" dirty="0" smtClean="0"/>
-              <a:t>Can be encrypted (more on this later)</a:t>
-            </a:r>
-          </a:p>
-          <a:p>
-            <a:r>
-              <a:rPr lang="en-US" dirty="0" smtClean="0"/>
-              <a:t>A DSL for making a MOF</a:t>
+              <a:t>Resources manage a specific configuration item</a:t>
+            </a:r>
+          </a:p>
+          <a:p>
+            <a:r>
+              <a:rPr lang="en-US" dirty="0" smtClean="0"/>
+              <a:t>Resources take parameters</a:t>
+            </a:r>
+          </a:p>
+          <a:p>
+            <a:r>
+              <a:rPr lang="en-US" dirty="0" smtClean="0"/>
+              <a:t>Get, Set, Test</a:t>
+            </a:r>
+          </a:p>
+          <a:p>
+            <a:r>
+              <a:rPr lang="en-US" dirty="0" smtClean="0"/>
+              <a:t>Depends on</a:t>
             </a:r>
             <a:endParaRPr lang="en-US" dirty="0"/>
           </a:p>
@@ -5898,7 +5896,7 @@
     </p:spTree>
     <p:extLst>
       <p:ext uri="{BB962C8B-B14F-4D97-AF65-F5344CB8AC3E}">
-        <p14:creationId xmlns:p14="http://schemas.microsoft.com/office/powerpoint/2010/main" val="1165177756"/>
+        <p14:creationId xmlns:p14="http://schemas.microsoft.com/office/powerpoint/2010/main" val="1529645665"/>
       </p:ext>
     </p:extLst>
   </p:cSld>
@@ -5942,7 +5940,7 @@
           <a:p>
             <a:r>
               <a:rPr lang="en-US" dirty="0" smtClean="0"/>
-              <a:t>The LCM</a:t>
+              <a:t>Configurations</a:t>
             </a:r>
             <a:endParaRPr lang="en-US" dirty="0"/>
           </a:p>
@@ -5965,28 +5963,32 @@
           <a:p>
             <a:r>
               <a:rPr lang="en-US" dirty="0" smtClean="0"/>
-              <a:t>Local configuration manager</a:t>
-            </a:r>
-          </a:p>
-          <a:p>
-            <a:r>
-              <a:rPr lang="en-US" dirty="0" smtClean="0"/>
-              <a:t>The boss that runs our configuration</a:t>
-            </a:r>
-          </a:p>
-          <a:p>
-            <a:r>
-              <a:rPr lang="en-US" dirty="0" smtClean="0"/>
-              <a:t>Has its own set of configuration (also takes a mof)</a:t>
-            </a:r>
-          </a:p>
-          <a:p>
-            <a:r>
-              <a:rPr lang="en-US" dirty="0" smtClean="0"/>
-              <a:t>Can handle reboots and continue</a:t>
-            </a:r>
-          </a:p>
-          <a:p>
+              <a:t>A collection of resources</a:t>
+            </a:r>
+          </a:p>
+          <a:p>
+            <a:r>
+              <a:rPr lang="en-US" dirty="0" smtClean="0"/>
+              <a:t>Define the state of our server</a:t>
+            </a:r>
+          </a:p>
+          <a:p>
+            <a:r>
+              <a:rPr lang="en-US" dirty="0" smtClean="0"/>
+              <a:t>Can be shared across servers with the same role</a:t>
+            </a:r>
+          </a:p>
+          <a:p>
+            <a:r>
+              <a:rPr lang="en-US" dirty="0" smtClean="0"/>
+              <a:t>Can be encrypted (more on this later)</a:t>
+            </a:r>
+          </a:p>
+          <a:p>
+            <a:r>
+              <a:rPr lang="en-US" dirty="0" smtClean="0"/>
+              <a:t>A DSL for making a MOF</a:t>
+            </a:r>
             <a:endParaRPr lang="en-US" dirty="0"/>
           </a:p>
         </p:txBody>
@@ -5994,7 +5996,7 @@
     </p:spTree>
     <p:extLst>
       <p:ext uri="{BB962C8B-B14F-4D97-AF65-F5344CB8AC3E}">
-        <p14:creationId xmlns:p14="http://schemas.microsoft.com/office/powerpoint/2010/main" val="649053408"/>
+        <p14:creationId xmlns:p14="http://schemas.microsoft.com/office/powerpoint/2010/main" val="1165177756"/>
       </p:ext>
     </p:extLst>
   </p:cSld>
@@ -6038,7 +6040,7 @@
           <a:p>
             <a:r>
               <a:rPr lang="en-US" dirty="0" smtClean="0"/>
-              <a:t>PUSH VS Pull</a:t>
+              <a:t>The LCM</a:t>
             </a:r>
             <a:endParaRPr lang="en-US" dirty="0"/>
           </a:p>
@@ -6061,40 +6063,28 @@
           <a:p>
             <a:r>
               <a:rPr lang="en-US" dirty="0" smtClean="0"/>
-              <a:t>Push – we get the mof to the server</a:t>
-            </a:r>
-          </a:p>
-          <a:p>
-            <a:pPr lvl="1"/>
-            <a:r>
-              <a:rPr lang="en-US" dirty="0" smtClean="0"/>
-              <a:t>Need to handle module </a:t>
-            </a:r>
-            <a:r>
-              <a:rPr lang="en-US" dirty="0" smtClean="0"/>
-              <a:t>dependencies</a:t>
-            </a:r>
-            <a:endParaRPr lang="en-US" dirty="0" smtClean="0"/>
-          </a:p>
-          <a:p>
-            <a:r>
-              <a:rPr lang="en-US" dirty="0" smtClean="0"/>
-              <a:t>Pull – The servers check in and get their latest configuration</a:t>
-            </a:r>
-          </a:p>
-          <a:p>
-            <a:pPr lvl="1"/>
-            <a:r>
-              <a:rPr lang="en-US" dirty="0" smtClean="0"/>
-              <a:t>Modules automatically distributed</a:t>
-            </a:r>
-          </a:p>
-          <a:p>
-            <a:pPr lvl="1"/>
-            <a:r>
-              <a:rPr lang="en-US" dirty="0" smtClean="0"/>
-              <a:t>More work to manager</a:t>
-            </a:r>
+              <a:t>Local configuration manager</a:t>
+            </a:r>
+          </a:p>
+          <a:p>
+            <a:r>
+              <a:rPr lang="en-US" dirty="0" smtClean="0"/>
+              <a:t>The boss that runs our configuration</a:t>
+            </a:r>
+          </a:p>
+          <a:p>
+            <a:r>
+              <a:rPr lang="en-US" dirty="0" smtClean="0"/>
+              <a:t>Has its own set of configuration (also takes a mof)</a:t>
+            </a:r>
+          </a:p>
+          <a:p>
+            <a:r>
+              <a:rPr lang="en-US" dirty="0" smtClean="0"/>
+              <a:t>Can handle reboots and continue</a:t>
+            </a:r>
+          </a:p>
+          <a:p>
             <a:endParaRPr lang="en-US" dirty="0"/>
           </a:p>
         </p:txBody>
@@ -6102,7 +6092,7 @@
     </p:spTree>
     <p:extLst>
       <p:ext uri="{BB962C8B-B14F-4D97-AF65-F5344CB8AC3E}">
-        <p14:creationId xmlns:p14="http://schemas.microsoft.com/office/powerpoint/2010/main" val="1231298768"/>
+        <p14:creationId xmlns:p14="http://schemas.microsoft.com/office/powerpoint/2010/main" val="649053408"/>
       </p:ext>
     </p:extLst>
   </p:cSld>
@@ -6146,8 +6136,11 @@
           <a:p>
             <a:r>
               <a:rPr lang="en-US" dirty="0" smtClean="0"/>
-              <a:t>Encrypting Credentials</a:t>
-            </a:r>
+              <a:t>LCM Configuration Modes</a:t>
+            </a:r>
+            <a:br>
+              <a:rPr lang="en-US" dirty="0" smtClean="0"/>
+            </a:br>
             <a:endParaRPr lang="en-US" dirty="0"/>
           </a:p>
         </p:txBody>
@@ -6169,35 +6162,30 @@
           <a:p>
             <a:r>
               <a:rPr lang="en-US" dirty="0" smtClean="0"/>
-              <a:t>Please don’t turn on clear text credentials</a:t>
-            </a:r>
-          </a:p>
-          <a:p>
-            <a:pPr lvl="1"/>
-            <a:r>
-              <a:rPr lang="en-US" dirty="0" smtClean="0"/>
-              <a:t>Lazy and insecure</a:t>
-            </a:r>
-          </a:p>
-          <a:p>
-            <a:r>
-              <a:rPr lang="en-US" dirty="0" smtClean="0"/>
-              <a:t>Use certificates to has your credentials</a:t>
-            </a:r>
-          </a:p>
-          <a:p>
-            <a:pPr lvl="1"/>
-            <a:r>
-              <a:rPr lang="en-US" dirty="0" smtClean="0"/>
-              <a:t>Yes it’s more work</a:t>
-            </a:r>
-          </a:p>
-          <a:p>
-            <a:pPr lvl="1"/>
-            <a:r>
-              <a:rPr lang="en-US" dirty="0" smtClean="0"/>
-              <a:t>Use a different certificate per server</a:t>
-            </a:r>
+              <a:t>Apply only – Applies 1 time, stops checking</a:t>
+            </a:r>
+          </a:p>
+          <a:p>
+            <a:r>
+              <a:rPr lang="en-US" dirty="0" err="1" smtClean="0"/>
+              <a:t>ApplyAndMonitor</a:t>
+            </a:r>
+            <a:r>
+              <a:rPr lang="en-US" dirty="0" smtClean="0"/>
+              <a:t> – Applies once, reports on drift does nothing</a:t>
+            </a:r>
+          </a:p>
+          <a:p>
+            <a:r>
+              <a:rPr lang="en-US" dirty="0" err="1" smtClean="0"/>
+              <a:t>ApplyAndAutoCorrect</a:t>
+            </a:r>
+            <a:r>
+              <a:rPr lang="en-US" dirty="0" smtClean="0"/>
+              <a:t> – Applies based on interval. Fixes uncompliant resources</a:t>
+            </a:r>
+          </a:p>
+          <a:p>
             <a:endParaRPr lang="en-US" dirty="0"/>
           </a:p>
         </p:txBody>
@@ -6205,7 +6193,7 @@
     </p:spTree>
     <p:extLst>
       <p:ext uri="{BB962C8B-B14F-4D97-AF65-F5344CB8AC3E}">
-        <p14:creationId xmlns:p14="http://schemas.microsoft.com/office/powerpoint/2010/main" val="3845137608"/>
+        <p14:creationId xmlns:p14="http://schemas.microsoft.com/office/powerpoint/2010/main" val="918062272"/>
       </p:ext>
     </p:extLst>
   </p:cSld>
@@ -6239,17 +6227,79 @@
             <a:spLocks noGrp="1"/>
           </p:cNvSpPr>
           <p:nvPr>
-            <p:ph type="ctrTitle"/>
-          </p:nvPr>
-        </p:nvSpPr>
-        <p:spPr/>
-        <p:txBody>
-          <a:bodyPr/>
-          <a:lstStyle/>
-          <a:p>
-            <a:r>
-              <a:rPr lang="en-US" dirty="0" smtClean="0"/>
-              <a:t>Managing Data</a:t>
+            <p:ph type="title"/>
+          </p:nvPr>
+        </p:nvSpPr>
+        <p:spPr/>
+        <p:txBody>
+          <a:bodyPr/>
+          <a:lstStyle/>
+          <a:p>
+            <a:r>
+              <a:rPr lang="en-US" dirty="0" smtClean="0"/>
+              <a:t>PUSH VS Pull</a:t>
+            </a:r>
+            <a:endParaRPr lang="en-US" dirty="0"/>
+          </a:p>
+        </p:txBody>
+      </p:sp>
+      <p:sp>
+        <p:nvSpPr>
+          <p:cNvPr id="3" name="Content Placeholder 2"/>
+          <p:cNvSpPr>
+            <a:spLocks noGrp="1"/>
+          </p:cNvSpPr>
+          <p:nvPr>
+            <p:ph idx="1"/>
+          </p:nvPr>
+        </p:nvSpPr>
+        <p:spPr/>
+        <p:txBody>
+          <a:bodyPr/>
+          <a:lstStyle/>
+          <a:p>
+            <a:r>
+              <a:rPr lang="en-US" dirty="0" smtClean="0"/>
+              <a:t>Push – we get the mof to the server</a:t>
+            </a:r>
+          </a:p>
+          <a:p>
+            <a:pPr lvl="1"/>
+            <a:r>
+              <a:rPr lang="en-US" dirty="0" smtClean="0"/>
+              <a:t>Need to handle module dependencies</a:t>
+            </a:r>
+          </a:p>
+          <a:p>
+            <a:r>
+              <a:rPr lang="en-US" dirty="0" smtClean="0"/>
+              <a:t>Pull – The servers check in and get their latest configuration</a:t>
+            </a:r>
+          </a:p>
+          <a:p>
+            <a:pPr lvl="1"/>
+            <a:r>
+              <a:rPr lang="en-US" dirty="0" smtClean="0"/>
+              <a:t>Modules automatically distributed</a:t>
+            </a:r>
+          </a:p>
+          <a:p>
+            <a:pPr lvl="1"/>
+            <a:r>
+              <a:rPr lang="en-US" dirty="0" smtClean="0"/>
+              <a:t>More work to </a:t>
+            </a:r>
+            <a:r>
+              <a:rPr lang="en-US" dirty="0" smtClean="0"/>
+              <a:t>setup, but </a:t>
+            </a:r>
+            <a:r>
+              <a:rPr lang="en-US" dirty="0" err="1" smtClean="0"/>
+              <a:t>configs</a:t>
+            </a:r>
+            <a:r>
+              <a:rPr lang="en-US" dirty="0" smtClean="0"/>
+              <a:t> are centrally managed</a:t>
             </a:r>
             <a:endParaRPr lang="en-US" dirty="0"/>
           </a:p>
@@ -6258,20 +6308,13 @@
     </p:spTree>
     <p:extLst>
       <p:ext uri="{BB962C8B-B14F-4D97-AF65-F5344CB8AC3E}">
-        <p14:creationId xmlns:p14="http://schemas.microsoft.com/office/powerpoint/2010/main" val="2272924251"/>
+        <p14:creationId xmlns:p14="http://schemas.microsoft.com/office/powerpoint/2010/main" val="1231298768"/>
       </p:ext>
     </p:extLst>
   </p:cSld>
   <p:clrMapOvr>
     <a:masterClrMapping/>
   </p:clrMapOvr>
-  <p:timing>
-    <p:tnLst>
-      <p:par>
-        <p:cTn id="1" dur="indefinite" restart="never" nodeType="tmRoot"/>
-      </p:par>
-    </p:tnLst>
-  </p:timing>
 </p:sld>
 </file>
 
@@ -6309,7 +6352,7 @@
           <a:p>
             <a:r>
               <a:rPr lang="en-US" dirty="0" smtClean="0"/>
-              <a:t>Hardcoded the data in the configuration</a:t>
+              <a:t>Encrypting Credentials</a:t>
             </a:r>
             <a:endParaRPr lang="en-US" dirty="0"/>
           </a:p>
@@ -6332,25 +6375,34 @@
           <a:p>
             <a:r>
               <a:rPr lang="en-US" dirty="0" smtClean="0"/>
-              <a:t>Easy to do</a:t>
-            </a:r>
-          </a:p>
-          <a:p>
-            <a:r>
-              <a:rPr lang="en-US" dirty="0" smtClean="0"/>
-              <a:t>Easiest to read</a:t>
-            </a:r>
-          </a:p>
-          <a:p>
-            <a:r>
-              <a:rPr lang="en-US" dirty="0" smtClean="0"/>
-              <a:t>Doesn’t scale well</a:t>
-            </a:r>
-          </a:p>
-          <a:p>
-            <a:r>
-              <a:rPr lang="en-US" dirty="0" smtClean="0"/>
-              <a:t>Lost of code duplication</a:t>
+              <a:t>Please don’t turn on clear text credentials</a:t>
+            </a:r>
+          </a:p>
+          <a:p>
+            <a:pPr lvl="1"/>
+            <a:r>
+              <a:rPr lang="en-US" dirty="0" smtClean="0"/>
+              <a:t>Lazy and insecure</a:t>
+            </a:r>
+          </a:p>
+          <a:p>
+            <a:r>
+              <a:rPr lang="en-US" dirty="0" smtClean="0"/>
+              <a:t>Use certificates to has your credentials</a:t>
+            </a:r>
+          </a:p>
+          <a:p>
+            <a:pPr lvl="1"/>
+            <a:r>
+              <a:rPr lang="en-US" dirty="0" smtClean="0"/>
+              <a:t>Yes it’s more work</a:t>
+            </a:r>
+          </a:p>
+          <a:p>
+            <a:pPr lvl="1"/>
+            <a:r>
+              <a:rPr lang="en-US" dirty="0" smtClean="0"/>
+              <a:t>Use a different certificate per server</a:t>
             </a:r>
             <a:endParaRPr lang="en-US" dirty="0"/>
           </a:p>
@@ -6359,7 +6411,7 @@
     </p:spTree>
     <p:extLst>
       <p:ext uri="{BB962C8B-B14F-4D97-AF65-F5344CB8AC3E}">
-        <p14:creationId xmlns:p14="http://schemas.microsoft.com/office/powerpoint/2010/main" val="1592934756"/>
+        <p14:creationId xmlns:p14="http://schemas.microsoft.com/office/powerpoint/2010/main" val="3845137608"/>
       </p:ext>
     </p:extLst>
   </p:cSld>
@@ -6393,6 +6445,160 @@
             <a:spLocks noGrp="1"/>
           </p:cNvSpPr>
           <p:nvPr>
+            <p:ph type="ctrTitle"/>
+          </p:nvPr>
+        </p:nvSpPr>
+        <p:spPr/>
+        <p:txBody>
+          <a:bodyPr/>
+          <a:lstStyle/>
+          <a:p>
+            <a:r>
+              <a:rPr lang="en-US" dirty="0" smtClean="0"/>
+              <a:t>Managing Data</a:t>
+            </a:r>
+            <a:endParaRPr lang="en-US" dirty="0"/>
+          </a:p>
+        </p:txBody>
+      </p:sp>
+    </p:spTree>
+    <p:extLst>
+      <p:ext uri="{BB962C8B-B14F-4D97-AF65-F5344CB8AC3E}">
+        <p14:creationId xmlns:p14="http://schemas.microsoft.com/office/powerpoint/2010/main" val="2272924251"/>
+      </p:ext>
+    </p:extLst>
+  </p:cSld>
+  <p:clrMapOvr>
+    <a:masterClrMapping/>
+  </p:clrMapOvr>
+  <p:timing>
+    <p:tnLst>
+      <p:par>
+        <p:cTn id="1" dur="indefinite" restart="never" nodeType="tmRoot"/>
+      </p:par>
+    </p:tnLst>
+  </p:timing>
+</p:sld>
+</file>
+
+<file path=ppt/slides/slide17.xml><?xml version="1.0" encoding="utf-8"?>
+<p:sld xmlns:a="http://schemas.openxmlformats.org/drawingml/2006/main" xmlns:r="http://schemas.openxmlformats.org/officeDocument/2006/relationships" xmlns:p="http://schemas.openxmlformats.org/presentationml/2006/main">
+  <p:cSld>
+    <p:spTree>
+      <p:nvGrpSpPr>
+        <p:cNvPr id="1" name=""/>
+        <p:cNvGrpSpPr/>
+        <p:nvPr/>
+      </p:nvGrpSpPr>
+      <p:grpSpPr>
+        <a:xfrm>
+          <a:off x="0" y="0"/>
+          <a:ext cx="0" cy="0"/>
+          <a:chOff x="0" y="0"/>
+          <a:chExt cx="0" cy="0"/>
+        </a:xfrm>
+      </p:grpSpPr>
+      <p:sp>
+        <p:nvSpPr>
+          <p:cNvPr id="2" name="Title 1"/>
+          <p:cNvSpPr>
+            <a:spLocks noGrp="1"/>
+          </p:cNvSpPr>
+          <p:nvPr>
+            <p:ph type="title"/>
+          </p:nvPr>
+        </p:nvSpPr>
+        <p:spPr/>
+        <p:txBody>
+          <a:bodyPr/>
+          <a:lstStyle/>
+          <a:p>
+            <a:r>
+              <a:rPr lang="en-US" dirty="0" smtClean="0"/>
+              <a:t>Hardcoded the data in the configuration</a:t>
+            </a:r>
+            <a:endParaRPr lang="en-US" dirty="0"/>
+          </a:p>
+        </p:txBody>
+      </p:sp>
+      <p:sp>
+        <p:nvSpPr>
+          <p:cNvPr id="3" name="Content Placeholder 2"/>
+          <p:cNvSpPr>
+            <a:spLocks noGrp="1"/>
+          </p:cNvSpPr>
+          <p:nvPr>
+            <p:ph idx="1"/>
+          </p:nvPr>
+        </p:nvSpPr>
+        <p:spPr/>
+        <p:txBody>
+          <a:bodyPr/>
+          <a:lstStyle/>
+          <a:p>
+            <a:r>
+              <a:rPr lang="en-US" dirty="0" smtClean="0"/>
+              <a:t>Easy to do</a:t>
+            </a:r>
+          </a:p>
+          <a:p>
+            <a:r>
+              <a:rPr lang="en-US" dirty="0" smtClean="0"/>
+              <a:t>Easiest to read</a:t>
+            </a:r>
+          </a:p>
+          <a:p>
+            <a:r>
+              <a:rPr lang="en-US" dirty="0" smtClean="0"/>
+              <a:t>Doesn’t scale well</a:t>
+            </a:r>
+          </a:p>
+          <a:p>
+            <a:r>
+              <a:rPr lang="en-US" dirty="0" smtClean="0"/>
+              <a:t>Lost of code duplication</a:t>
+            </a:r>
+            <a:endParaRPr lang="en-US" dirty="0"/>
+          </a:p>
+        </p:txBody>
+      </p:sp>
+    </p:spTree>
+    <p:extLst>
+      <p:ext uri="{BB962C8B-B14F-4D97-AF65-F5344CB8AC3E}">
+        <p14:creationId xmlns:p14="http://schemas.microsoft.com/office/powerpoint/2010/main" val="1592934756"/>
+      </p:ext>
+    </p:extLst>
+  </p:cSld>
+  <p:clrMapOvr>
+    <a:masterClrMapping/>
+  </p:clrMapOvr>
+</p:sld>
+</file>
+
+<file path=ppt/slides/slide18.xml><?xml version="1.0" encoding="utf-8"?>
+<p:sld xmlns:a="http://schemas.openxmlformats.org/drawingml/2006/main" xmlns:r="http://schemas.openxmlformats.org/officeDocument/2006/relationships" xmlns:p="http://schemas.openxmlformats.org/presentationml/2006/main">
+  <p:cSld>
+    <p:spTree>
+      <p:nvGrpSpPr>
+        <p:cNvPr id="1" name=""/>
+        <p:cNvGrpSpPr/>
+        <p:nvPr/>
+      </p:nvGrpSpPr>
+      <p:grpSpPr>
+        <a:xfrm>
+          <a:off x="0" y="0"/>
+          <a:ext cx="0" cy="0"/>
+          <a:chOff x="0" y="0"/>
+          <a:chExt cx="0" cy="0"/>
+        </a:xfrm>
+      </p:grpSpPr>
+      <p:sp>
+        <p:nvSpPr>
+          <p:cNvPr id="2" name="Title 1"/>
+          <p:cNvSpPr>
+            <a:spLocks noGrp="1"/>
+          </p:cNvSpPr>
+          <p:nvPr>
             <p:ph type="title"/>
           </p:nvPr>
         </p:nvSpPr>
@@ -6457,7 +6663,7 @@
 </p:sld>
 </file>
 
-<file path=ppt/slides/slide17.xml><?xml version="1.0" encoding="utf-8"?>
+<file path=ppt/slides/slide19.xml><?xml version="1.0" encoding="utf-8"?>
 <p:sld xmlns:a="http://schemas.openxmlformats.org/drawingml/2006/main" xmlns:r="http://schemas.openxmlformats.org/officeDocument/2006/relationships" xmlns:p="http://schemas.openxmlformats.org/presentationml/2006/main">
   <p:cSld>
     <p:spTree>
@@ -6738,15 +6944,32 @@
           <a:lstStyle/>
           <a:p>
             <a:r>
-              <a:rPr lang="en-US" dirty="0" smtClean="0"/>
-              <a:t>What is DSC and why do we care?</a:t>
-            </a:r>
-          </a:p>
-          <a:p>
-            <a:r>
-              <a:rPr lang="en-US" dirty="0" smtClean="0"/>
-              <a:t>Declarative vs Imperative</a:t>
-            </a:r>
+              <a:rPr lang="en-US" dirty="0"/>
+              <a:t>Infrastructure as Code </a:t>
+            </a:r>
+            <a:r>
+              <a:rPr lang="en-US" dirty="0" smtClean="0"/>
+              <a:t>and DSC, </a:t>
+            </a:r>
+            <a:r>
+              <a:rPr lang="en-US" dirty="0" smtClean="0"/>
+              <a:t>why </a:t>
+            </a:r>
+            <a:r>
+              <a:rPr lang="en-US" dirty="0" smtClean="0"/>
+              <a:t>do we care?</a:t>
+            </a:r>
+          </a:p>
+          <a:p>
+            <a:r>
+              <a:rPr lang="en-US" dirty="0" smtClean="0"/>
+              <a:t>Declarative vs </a:t>
+            </a:r>
+            <a:r>
+              <a:rPr lang="en-US" dirty="0" smtClean="0"/>
+              <a:t>Imperative programming</a:t>
+            </a:r>
+            <a:endParaRPr lang="en-US" dirty="0" smtClean="0"/>
           </a:p>
           <a:p>
             <a:r>
@@ -6824,66 +7047,26 @@
             <a:spLocks noGrp="1"/>
           </p:cNvSpPr>
           <p:nvPr>
-            <p:ph type="title"/>
-          </p:nvPr>
-        </p:nvSpPr>
-        <p:spPr/>
-        <p:txBody>
-          <a:bodyPr/>
-          <a:lstStyle/>
-          <a:p>
-            <a:r>
-              <a:rPr lang="en-US" dirty="0" smtClean="0"/>
-              <a:t>What is DSC</a:t>
-            </a:r>
-            <a:endParaRPr lang="en-US" dirty="0"/>
-          </a:p>
-        </p:txBody>
-      </p:sp>
-      <p:sp>
-        <p:nvSpPr>
-          <p:cNvPr id="3" name="Content Placeholder 2"/>
-          <p:cNvSpPr>
-            <a:spLocks noGrp="1"/>
-          </p:cNvSpPr>
-          <p:nvPr>
-            <p:ph idx="1"/>
-          </p:nvPr>
-        </p:nvSpPr>
-        <p:spPr/>
-        <p:txBody>
-          <a:bodyPr/>
-          <a:lstStyle/>
-          <a:p>
-            <a:r>
-              <a:rPr lang="en-US" dirty="0" smtClean="0"/>
-              <a:t>Desired State Configuration</a:t>
-            </a:r>
-          </a:p>
-          <a:p>
-            <a:r>
-              <a:rPr lang="en-US" dirty="0" smtClean="0"/>
-              <a:t>A different way to manage our servers</a:t>
-            </a:r>
-          </a:p>
-          <a:p>
-            <a:r>
-              <a:rPr lang="en-US" dirty="0" smtClean="0"/>
-              <a:t>We describe how we want our servers to look. We don’t care how they get there</a:t>
-            </a:r>
-          </a:p>
-          <a:p>
-            <a:endParaRPr lang="en-US" dirty="0" smtClean="0"/>
-          </a:p>
-          <a:p>
-            <a:endParaRPr lang="en-US" dirty="0" smtClean="0"/>
+            <p:ph type="ctrTitle"/>
+          </p:nvPr>
+        </p:nvSpPr>
+        <p:spPr/>
+        <p:txBody>
+          <a:bodyPr/>
+          <a:lstStyle/>
+          <a:p>
+            <a:r>
+              <a:rPr lang="en-US" dirty="0" smtClean="0"/>
+              <a:t>Infrastructure as Code</a:t>
+            </a:r>
+            <a:endParaRPr lang="en-US" dirty="0"/>
           </a:p>
         </p:txBody>
       </p:sp>
     </p:spTree>
     <p:extLst>
       <p:ext uri="{BB962C8B-B14F-4D97-AF65-F5344CB8AC3E}">
-        <p14:creationId xmlns:p14="http://schemas.microsoft.com/office/powerpoint/2010/main" val="352109365"/>
+        <p14:creationId xmlns:p14="http://schemas.microsoft.com/office/powerpoint/2010/main" val="2510760083"/>
       </p:ext>
     </p:extLst>
   </p:cSld>
@@ -6934,7 +7117,7 @@
           <a:p>
             <a:r>
               <a:rPr lang="en-US" dirty="0" smtClean="0"/>
-              <a:t>Declarative Vs Imperative</a:t>
+              <a:t>What is DSC</a:t>
             </a:r>
             <a:endParaRPr lang="en-US" dirty="0"/>
           </a:p>
@@ -6956,65 +7139,47 @@
           <a:lstStyle/>
           <a:p>
             <a:r>
-              <a:rPr lang="en-US" dirty="0">
-                <a:effectLst/>
-              </a:rPr>
-              <a:t>Declarative Programming is like asking your friend to draw a landscape. You don’t care how they draw it, that’s up to them</a:t>
-            </a:r>
-            <a:r>
-              <a:rPr lang="en-US" dirty="0" smtClean="0">
-                <a:effectLst/>
-              </a:rPr>
-              <a:t>.</a:t>
-            </a:r>
-          </a:p>
-          <a:p>
-            <a:r>
-              <a:rPr lang="en-US" dirty="0">
-                <a:effectLst/>
-              </a:rPr>
-              <a:t>Imperative Programming is like your friend listening to Bob Ross tell them how to paint a landscape. While good ole Bob Ross isn’t exactly commanding, he is giving them step by step directions to get the desired result</a:t>
-            </a:r>
-            <a:r>
-              <a:rPr lang="en-US" dirty="0" smtClean="0">
-                <a:effectLst/>
-              </a:rPr>
-              <a:t>.</a:t>
-            </a:r>
-          </a:p>
-          <a:p>
-            <a:endParaRPr lang="en-US" dirty="0">
-              <a:effectLst/>
-            </a:endParaRPr>
-          </a:p>
-          <a:p>
-            <a:r>
-              <a:rPr lang="en-US" dirty="0" smtClean="0">
-                <a:effectLst/>
-              </a:rPr>
-              <a:t>-</a:t>
-            </a:r>
-            <a:r>
-              <a:rPr lang="en-US" dirty="0">
-                <a:effectLst/>
-                <a:hlinkClick r:id="rId2"/>
-              </a:rPr>
-              <a:t>Ian Mundy</a:t>
-            </a:r>
-            <a:endParaRPr lang="en-US" dirty="0"/>
+              <a:rPr lang="en-US" dirty="0" smtClean="0"/>
+              <a:t>Desired State Configuration</a:t>
+            </a:r>
+          </a:p>
+          <a:p>
+            <a:r>
+              <a:rPr lang="en-US" dirty="0" smtClean="0"/>
+              <a:t>A different way to manage our servers</a:t>
+            </a:r>
+          </a:p>
+          <a:p>
+            <a:r>
+              <a:rPr lang="en-US" dirty="0" smtClean="0"/>
+              <a:t>We describe how we want our servers to look. We don’t care how they get there</a:t>
+            </a:r>
+          </a:p>
+          <a:p>
+            <a:endParaRPr lang="en-US" dirty="0" smtClean="0"/>
+          </a:p>
+          <a:p>
+            <a:endParaRPr lang="en-US" dirty="0" smtClean="0"/>
           </a:p>
         </p:txBody>
       </p:sp>
     </p:spTree>
     <p:extLst>
       <p:ext uri="{BB962C8B-B14F-4D97-AF65-F5344CB8AC3E}">
-        <p14:creationId xmlns:p14="http://schemas.microsoft.com/office/powerpoint/2010/main" val="4248055213"/>
+        <p14:creationId xmlns:p14="http://schemas.microsoft.com/office/powerpoint/2010/main" val="352109365"/>
       </p:ext>
     </p:extLst>
   </p:cSld>
   <p:clrMapOvr>
     <a:masterClrMapping/>
   </p:clrMapOvr>
+  <p:timing>
+    <p:tnLst>
+      <p:par>
+        <p:cTn id="1" dur="indefinite" restart="never" nodeType="tmRoot"/>
+      </p:par>
+    </p:tnLst>
+  </p:timing>
 </p:sld>
 </file>
 
@@ -7052,7 +7217,7 @@
           <a:p>
             <a:r>
               <a:rPr lang="en-US" dirty="0" smtClean="0"/>
-              <a:t>Benefits of a Declarative configuration</a:t>
+              <a:t>Sooooooo Like group Policy</a:t>
             </a:r>
             <a:endParaRPr lang="en-US" dirty="0"/>
           </a:p>
@@ -7075,25 +7240,13 @@
           <a:p>
             <a:r>
               <a:rPr lang="en-US" dirty="0" smtClean="0"/>
-              <a:t>Self documenting</a:t>
-            </a:r>
-          </a:p>
-          <a:p>
-            <a:r>
-              <a:rPr lang="en-US" dirty="0" smtClean="0"/>
-              <a:t>Can be checked into source control</a:t>
-            </a:r>
-          </a:p>
-          <a:p>
-            <a:r>
-              <a:rPr lang="en-US" dirty="0" smtClean="0"/>
-              <a:t>Don’t need to write any code</a:t>
-            </a:r>
-          </a:p>
-          <a:p>
-            <a:r>
-              <a:rPr lang="en-US" dirty="0" smtClean="0"/>
-              <a:t>Let someone else figure out the logic!</a:t>
+              <a:t>Isn’t this just group policy with more steps?</a:t>
+            </a:r>
+          </a:p>
+          <a:p>
+            <a:r>
+              <a:rPr lang="en-US" dirty="0" smtClean="0"/>
+              <a:t>So like SCCM?</a:t>
             </a:r>
             <a:endParaRPr lang="en-US" dirty="0"/>
           </a:p>
@@ -7102,7 +7255,7 @@
     </p:spTree>
     <p:extLst>
       <p:ext uri="{BB962C8B-B14F-4D97-AF65-F5344CB8AC3E}">
-        <p14:creationId xmlns:p14="http://schemas.microsoft.com/office/powerpoint/2010/main" val="66153029"/>
+        <p14:creationId xmlns:p14="http://schemas.microsoft.com/office/powerpoint/2010/main" val="1003622487"/>
       </p:ext>
     </p:extLst>
   </p:cSld>
@@ -7146,7 +7299,7 @@
           <a:p>
             <a:r>
               <a:rPr lang="en-US" dirty="0" smtClean="0"/>
-              <a:t>Sooooooo Like group Policy</a:t>
+              <a:t>Declarative Vs Imperative</a:t>
             </a:r>
             <a:endParaRPr lang="en-US" dirty="0"/>
           </a:p>
@@ -7168,14 +7321,50 @@
           <a:lstStyle/>
           <a:p>
             <a:r>
-              <a:rPr lang="en-US" dirty="0" smtClean="0"/>
-              <a:t>Isn’t this just group policy with more steps?</a:t>
-            </a:r>
-          </a:p>
-          <a:p>
-            <a:r>
-              <a:rPr lang="en-US" dirty="0" smtClean="0"/>
-              <a:t>So like SCCM?</a:t>
+              <a:rPr lang="en-US" dirty="0">
+                <a:effectLst/>
+              </a:rPr>
+              <a:t>Declarative Programming is like asking your friend to draw a landscape. You don’t care how they draw it, that’s up to them</a:t>
+            </a:r>
+            <a:r>
+              <a:rPr lang="en-US" dirty="0" smtClean="0">
+                <a:effectLst/>
+              </a:rPr>
+              <a:t>.</a:t>
+            </a:r>
+          </a:p>
+          <a:p>
+            <a:r>
+              <a:rPr lang="en-US" dirty="0">
+                <a:effectLst/>
+              </a:rPr>
+              <a:t>Imperative Programming is like your friend listening to Bob Ross tell them how to paint a landscape. While good ole Bob Ross isn’t exactly commanding, he is giving them step by step directions to get the desired result</a:t>
+            </a:r>
+            <a:r>
+              <a:rPr lang="en-US" dirty="0" smtClean="0">
+                <a:effectLst/>
+              </a:rPr>
+              <a:t>.</a:t>
+            </a:r>
+          </a:p>
+          <a:p>
+            <a:endParaRPr lang="en-US" dirty="0">
+              <a:effectLst/>
+            </a:endParaRPr>
+          </a:p>
+          <a:p>
+            <a:r>
+              <a:rPr lang="en-US" dirty="0" smtClean="0">
+                <a:effectLst/>
+              </a:rPr>
+              <a:t>-</a:t>
+            </a:r>
+            <a:r>
+              <a:rPr lang="en-US" dirty="0">
+                <a:effectLst/>
+                <a:hlinkClick r:id="rId2"/>
+              </a:rPr>
+              <a:t>Ian Mundy</a:t>
             </a:r>
             <a:endParaRPr lang="en-US" dirty="0"/>
           </a:p>
@@ -7184,7 +7373,7 @@
     </p:spTree>
     <p:extLst>
       <p:ext uri="{BB962C8B-B14F-4D97-AF65-F5344CB8AC3E}">
-        <p14:creationId xmlns:p14="http://schemas.microsoft.com/office/powerpoint/2010/main" val="1003622487"/>
+        <p14:creationId xmlns:p14="http://schemas.microsoft.com/office/powerpoint/2010/main" val="4248055213"/>
       </p:ext>
     </p:extLst>
   </p:cSld>
@@ -7218,17 +7407,58 @@
             <a:spLocks noGrp="1"/>
           </p:cNvSpPr>
           <p:nvPr>
-            <p:ph type="ctrTitle"/>
-          </p:nvPr>
-        </p:nvSpPr>
-        <p:spPr/>
-        <p:txBody>
-          <a:bodyPr/>
-          <a:lstStyle/>
-          <a:p>
-            <a:r>
-              <a:rPr lang="en-US" dirty="0" smtClean="0"/>
-              <a:t>DSC Components</a:t>
+            <p:ph type="title"/>
+          </p:nvPr>
+        </p:nvSpPr>
+        <p:spPr/>
+        <p:txBody>
+          <a:bodyPr/>
+          <a:lstStyle/>
+          <a:p>
+            <a:r>
+              <a:rPr lang="en-US" dirty="0" smtClean="0"/>
+              <a:t>Benefits of a Declarative configuration</a:t>
+            </a:r>
+            <a:endParaRPr lang="en-US" dirty="0"/>
+          </a:p>
+        </p:txBody>
+      </p:sp>
+      <p:sp>
+        <p:nvSpPr>
+          <p:cNvPr id="3" name="Content Placeholder 2"/>
+          <p:cNvSpPr>
+            <a:spLocks noGrp="1"/>
+          </p:cNvSpPr>
+          <p:nvPr>
+            <p:ph idx="1"/>
+          </p:nvPr>
+        </p:nvSpPr>
+        <p:spPr/>
+        <p:txBody>
+          <a:bodyPr/>
+          <a:lstStyle/>
+          <a:p>
+            <a:r>
+              <a:rPr lang="en-US" dirty="0" smtClean="0"/>
+              <a:t>Self documenting</a:t>
+            </a:r>
+          </a:p>
+          <a:p>
+            <a:r>
+              <a:rPr lang="en-US" dirty="0" smtClean="0"/>
+              <a:t>Can be checked into source control</a:t>
+            </a:r>
+          </a:p>
+          <a:p>
+            <a:r>
+              <a:rPr lang="en-US" dirty="0" smtClean="0"/>
+              <a:t>Don’t need to write any code</a:t>
+            </a:r>
+          </a:p>
+          <a:p>
+            <a:r>
+              <a:rPr lang="en-US" dirty="0" smtClean="0"/>
+              <a:t>Let someone else figure out the logic!</a:t>
             </a:r>
             <a:endParaRPr lang="en-US" dirty="0"/>
           </a:p>
@@ -7237,20 +7467,13 @@
     </p:spTree>
     <p:extLst>
       <p:ext uri="{BB962C8B-B14F-4D97-AF65-F5344CB8AC3E}">
-        <p14:creationId xmlns:p14="http://schemas.microsoft.com/office/powerpoint/2010/main" val="2146475493"/>
+        <p14:creationId xmlns:p14="http://schemas.microsoft.com/office/powerpoint/2010/main" val="66153029"/>
       </p:ext>
     </p:extLst>
   </p:cSld>
   <p:clrMapOvr>
     <a:masterClrMapping/>
   </p:clrMapOvr>
-  <p:timing>
-    <p:tnLst>
-      <p:par>
-        <p:cTn id="1" dur="indefinite" restart="never" nodeType="tmRoot"/>
-      </p:par>
-    </p:tnLst>
-  </p:timing>
 </p:sld>
 </file>
 
@@ -7278,58 +7501,17 @@
             <a:spLocks noGrp="1"/>
           </p:cNvSpPr>
           <p:nvPr>
-            <p:ph type="title"/>
-          </p:nvPr>
-        </p:nvSpPr>
-        <p:spPr/>
-        <p:txBody>
-          <a:bodyPr/>
-          <a:lstStyle/>
-          <a:p>
-            <a:r>
-              <a:rPr lang="en-US" dirty="0" smtClean="0"/>
-              <a:t>Resources</a:t>
-            </a:r>
-            <a:endParaRPr lang="en-US" dirty="0"/>
-          </a:p>
-        </p:txBody>
-      </p:sp>
-      <p:sp>
-        <p:nvSpPr>
-          <p:cNvPr id="3" name="Content Placeholder 2"/>
-          <p:cNvSpPr>
-            <a:spLocks noGrp="1"/>
-          </p:cNvSpPr>
-          <p:nvPr>
-            <p:ph idx="1"/>
-          </p:nvPr>
-        </p:nvSpPr>
-        <p:spPr/>
-        <p:txBody>
-          <a:bodyPr/>
-          <a:lstStyle/>
-          <a:p>
-            <a:r>
-              <a:rPr lang="en-US" dirty="0" smtClean="0"/>
-              <a:t>Resources manage a specific configuration item</a:t>
-            </a:r>
-          </a:p>
-          <a:p>
-            <a:r>
-              <a:rPr lang="en-US" dirty="0" smtClean="0"/>
-              <a:t>Resources take parameters</a:t>
-            </a:r>
-          </a:p>
-          <a:p>
-            <a:r>
-              <a:rPr lang="en-US" dirty="0" smtClean="0"/>
-              <a:t>Get, Set, Test</a:t>
-            </a:r>
-          </a:p>
-          <a:p>
-            <a:r>
-              <a:rPr lang="en-US" dirty="0" smtClean="0"/>
-              <a:t>Depends on</a:t>
+            <p:ph type="ctrTitle"/>
+          </p:nvPr>
+        </p:nvSpPr>
+        <p:spPr/>
+        <p:txBody>
+          <a:bodyPr/>
+          <a:lstStyle/>
+          <a:p>
+            <a:r>
+              <a:rPr lang="en-US" dirty="0" smtClean="0"/>
+              <a:t>DSC Components</a:t>
             </a:r>
             <a:endParaRPr lang="en-US" dirty="0"/>
           </a:p>
@@ -7338,13 +7520,20 @@
     </p:spTree>
     <p:extLst>
       <p:ext uri="{BB962C8B-B14F-4D97-AF65-F5344CB8AC3E}">
-        <p14:creationId xmlns:p14="http://schemas.microsoft.com/office/powerpoint/2010/main" val="1529645665"/>
+        <p14:creationId xmlns:p14="http://schemas.microsoft.com/office/powerpoint/2010/main" val="2146475493"/>
       </p:ext>
     </p:extLst>
   </p:cSld>
   <p:clrMapOvr>
     <a:masterClrMapping/>
   </p:clrMapOvr>
+  <p:timing>
+    <p:tnLst>
+      <p:par>
+        <p:cTn id="1" dur="indefinite" restart="never" nodeType="tmRoot"/>
+      </p:par>
+    </p:tnLst>
+  </p:timing>
 </p:sld>
 </file>
 

--- a/WorkingWithDSC.pptx
+++ b/WorkingWithDSC.pptx
@@ -360,7 +360,7 @@
             <a:fld id="{B61BEF0D-F0BB-DE4B-95CE-6DB70DBA9567}" type="datetimeFigureOut">
               <a:rPr lang="en-US" smtClean="0"/>
               <a:pPr/>
-              <a:t>3/4/2018</a:t>
+              <a:t>3/5/2018</a:t>
             </a:fld>
             <a:endParaRPr lang="en-US" dirty="0"/>
           </a:p>
@@ -653,7 +653,7 @@
             <a:fld id="{B61BEF0D-F0BB-DE4B-95CE-6DB70DBA9567}" type="datetimeFigureOut">
               <a:rPr lang="en-US" smtClean="0"/>
               <a:pPr/>
-              <a:t>3/4/2018</a:t>
+              <a:t>3/5/2018</a:t>
             </a:fld>
             <a:endParaRPr lang="en-US" dirty="0"/>
           </a:p>
@@ -903,7 +903,7 @@
             <a:fld id="{B61BEF0D-F0BB-DE4B-95CE-6DB70DBA9567}" type="datetimeFigureOut">
               <a:rPr lang="en-US" smtClean="0"/>
               <a:pPr/>
-              <a:t>3/4/2018</a:t>
+              <a:t>3/5/2018</a:t>
             </a:fld>
             <a:endParaRPr lang="en-US" dirty="0"/>
           </a:p>
@@ -1441,7 +1441,7 @@
             <a:fld id="{B61BEF0D-F0BB-DE4B-95CE-6DB70DBA9567}" type="datetimeFigureOut">
               <a:rPr lang="en-US" smtClean="0"/>
               <a:pPr/>
-              <a:t>3/4/2018</a:t>
+              <a:t>3/5/2018</a:t>
             </a:fld>
             <a:endParaRPr lang="en-US" dirty="0"/>
           </a:p>
@@ -1691,7 +1691,7 @@
             <a:fld id="{B61BEF0D-F0BB-DE4B-95CE-6DB70DBA9567}" type="datetimeFigureOut">
               <a:rPr lang="en-US" smtClean="0"/>
               <a:pPr/>
-              <a:t>3/4/2018</a:t>
+              <a:t>3/5/2018</a:t>
             </a:fld>
             <a:endParaRPr lang="en-US" dirty="0"/>
           </a:p>
@@ -2236,7 +2236,7 @@
             <a:fld id="{B61BEF0D-F0BB-DE4B-95CE-6DB70DBA9567}" type="datetimeFigureOut">
               <a:rPr lang="en-US" smtClean="0"/>
               <a:pPr/>
-              <a:t>3/4/2018</a:t>
+              <a:t>3/5/2018</a:t>
             </a:fld>
             <a:endParaRPr lang="en-US" dirty="0"/>
           </a:p>
@@ -2548,7 +2548,7 @@
             <a:fld id="{B61BEF0D-F0BB-DE4B-95CE-6DB70DBA9567}" type="datetimeFigureOut">
               <a:rPr lang="en-US" smtClean="0"/>
               <a:pPr/>
-              <a:t>3/4/2018</a:t>
+              <a:t>3/5/2018</a:t>
             </a:fld>
             <a:endParaRPr lang="en-US" dirty="0"/>
           </a:p>
@@ -2725,7 +2725,7 @@
             <a:fld id="{B61BEF0D-F0BB-DE4B-95CE-6DB70DBA9567}" type="datetimeFigureOut">
               <a:rPr lang="en-US" smtClean="0"/>
               <a:pPr/>
-              <a:t>3/4/2018</a:t>
+              <a:t>3/5/2018</a:t>
             </a:fld>
             <a:endParaRPr lang="en-US" dirty="0"/>
           </a:p>
@@ -2907,7 +2907,7 @@
             <a:fld id="{B61BEF0D-F0BB-DE4B-95CE-6DB70DBA9567}" type="datetimeFigureOut">
               <a:rPr lang="en-US" smtClean="0"/>
               <a:pPr/>
-              <a:t>3/4/2018</a:t>
+              <a:t>3/5/2018</a:t>
             </a:fld>
             <a:endParaRPr lang="en-US" dirty="0"/>
           </a:p>
@@ -3079,7 +3079,7 @@
             <a:fld id="{B61BEF0D-F0BB-DE4B-95CE-6DB70DBA9567}" type="datetimeFigureOut">
               <a:rPr lang="en-US" smtClean="0"/>
               <a:pPr/>
-              <a:t>3/4/2018</a:t>
+              <a:t>3/5/2018</a:t>
             </a:fld>
             <a:endParaRPr lang="en-US" dirty="0"/>
           </a:p>
@@ -3327,7 +3327,7 @@
             <a:fld id="{B61BEF0D-F0BB-DE4B-95CE-6DB70DBA9567}" type="datetimeFigureOut">
               <a:rPr lang="en-US" smtClean="0"/>
               <a:pPr/>
-              <a:t>3/4/2018</a:t>
+              <a:t>3/5/2018</a:t>
             </a:fld>
             <a:endParaRPr lang="en-US" dirty="0"/>
           </a:p>
@@ -3621,7 +3621,7 @@
             <a:fld id="{B61BEF0D-F0BB-DE4B-95CE-6DB70DBA9567}" type="datetimeFigureOut">
               <a:rPr lang="en-US" smtClean="0"/>
               <a:pPr/>
-              <a:t>3/4/2018</a:t>
+              <a:t>3/5/2018</a:t>
             </a:fld>
             <a:endParaRPr lang="en-US" dirty="0"/>
           </a:p>
@@ -4053,7 +4053,7 @@
             <a:fld id="{B61BEF0D-F0BB-DE4B-95CE-6DB70DBA9567}" type="datetimeFigureOut">
               <a:rPr lang="en-US" smtClean="0"/>
               <a:pPr/>
-              <a:t>3/4/2018</a:t>
+              <a:t>3/5/2018</a:t>
             </a:fld>
             <a:endParaRPr lang="en-US" dirty="0"/>
           </a:p>
@@ -4178,7 +4178,7 @@
             <a:fld id="{B61BEF0D-F0BB-DE4B-95CE-6DB70DBA9567}" type="datetimeFigureOut">
               <a:rPr lang="en-US" smtClean="0"/>
               <a:pPr/>
-              <a:t>3/4/2018</a:t>
+              <a:t>3/5/2018</a:t>
             </a:fld>
             <a:endParaRPr lang="en-US" dirty="0"/>
           </a:p>
@@ -4275,7 +4275,7 @@
             <a:fld id="{B61BEF0D-F0BB-DE4B-95CE-6DB70DBA9567}" type="datetimeFigureOut">
               <a:rPr lang="en-US" smtClean="0"/>
               <a:pPr/>
-              <a:t>3/4/2018</a:t>
+              <a:t>3/5/2018</a:t>
             </a:fld>
             <a:endParaRPr lang="en-US" dirty="0"/>
           </a:p>
@@ -4560,7 +4560,7 @@
             <a:fld id="{B61BEF0D-F0BB-DE4B-95CE-6DB70DBA9567}" type="datetimeFigureOut">
               <a:rPr lang="en-US" smtClean="0"/>
               <a:pPr/>
-              <a:t>3/4/2018</a:t>
+              <a:t>3/5/2018</a:t>
             </a:fld>
             <a:endParaRPr lang="en-US" dirty="0"/>
           </a:p>
@@ -4853,7 +4853,7 @@
             <a:fld id="{B61BEF0D-F0BB-DE4B-95CE-6DB70DBA9567}" type="datetimeFigureOut">
               <a:rPr lang="en-US" smtClean="0"/>
               <a:pPr/>
-              <a:t>3/4/2018</a:t>
+              <a:t>3/5/2018</a:t>
             </a:fld>
             <a:endParaRPr lang="en-US" dirty="0"/>
           </a:p>
@@ -5086,7 +5086,7 @@
             <a:fld id="{B61BEF0D-F0BB-DE4B-95CE-6DB70DBA9567}" type="datetimeFigureOut">
               <a:rPr lang="en-US" smtClean="0"/>
               <a:pPr/>
-              <a:t>3/4/2018</a:t>
+              <a:t>3/5/2018</a:t>
             </a:fld>
             <a:endParaRPr lang="en-US" dirty="0"/>
           </a:p>
@@ -6287,11 +6287,7 @@
             <a:pPr lvl="1"/>
             <a:r>
               <a:rPr lang="en-US" dirty="0" smtClean="0"/>
-              <a:t>More work to </a:t>
-            </a:r>
-            <a:r>
-              <a:rPr lang="en-US" dirty="0" smtClean="0"/>
-              <a:t>setup, but </a:t>
+              <a:t>More work to setup, but </a:t>
             </a:r>
             <a:r>
               <a:rPr lang="en-US" dirty="0" err="1" smtClean="0"/>
@@ -6388,7 +6384,15 @@
           <a:p>
             <a:r>
               <a:rPr lang="en-US" dirty="0" smtClean="0"/>
-              <a:t>Use certificates to has your credentials</a:t>
+              <a:t>Use certificates to </a:t>
+            </a:r>
+            <a:r>
+              <a:rPr lang="en-US" dirty="0" smtClean="0"/>
+              <a:t>hash </a:t>
+            </a:r>
+            <a:r>
+              <a:rPr lang="en-US" dirty="0" smtClean="0"/>
+              <a:t>your credentials</a:t>
             </a:r>
           </a:p>
           <a:p>
@@ -6949,27 +6953,14 @@
             </a:r>
             <a:r>
               <a:rPr lang="en-US" dirty="0" smtClean="0"/>
-              <a:t>and DSC, </a:t>
-            </a:r>
-            <a:r>
-              <a:rPr lang="en-US" dirty="0" smtClean="0"/>
-              <a:t>why </a:t>
-            </a:r>
-            <a:r>
-              <a:rPr lang="en-US" dirty="0" smtClean="0"/>
-              <a:t>do we care?</a:t>
-            </a:r>
-          </a:p>
-          <a:p>
-            <a:r>
-              <a:rPr lang="en-US" dirty="0" smtClean="0"/>
-              <a:t>Declarative vs </a:t>
-            </a:r>
-            <a:r>
-              <a:rPr lang="en-US" dirty="0" smtClean="0"/>
-              <a:t>Imperative programming</a:t>
-            </a:r>
-            <a:endParaRPr lang="en-US" dirty="0" smtClean="0"/>
+              <a:t>and DSC, why do we care?</a:t>
+            </a:r>
+          </a:p>
+          <a:p>
+            <a:r>
+              <a:rPr lang="en-US" dirty="0" smtClean="0"/>
+              <a:t>Declarative vs Imperative programming</a:t>
+            </a:r>
           </a:p>
           <a:p>
             <a:r>
